--- a/AP Java/Week4/Week4.pptx
+++ b/AP Java/Week4/Week4.pptx
@@ -5,7 +5,7 @@
     <p:sldMasterId id="2147483820" r:id="rId1"/>
   </p:sldMasterIdLst>
   <p:notesMasterIdLst>
-    <p:notesMasterId r:id="rId24"/>
+    <p:notesMasterId r:id="rId32"/>
   </p:notesMasterIdLst>
   <p:sldIdLst>
     <p:sldId id="256" r:id="rId2"/>
@@ -30,6 +30,14 @@
     <p:sldId id="273" r:id="rId21"/>
     <p:sldId id="274" r:id="rId22"/>
     <p:sldId id="275" r:id="rId23"/>
+    <p:sldId id="278" r:id="rId24"/>
+    <p:sldId id="279" r:id="rId25"/>
+    <p:sldId id="280" r:id="rId26"/>
+    <p:sldId id="281" r:id="rId27"/>
+    <p:sldId id="282" r:id="rId28"/>
+    <p:sldId id="284" r:id="rId29"/>
+    <p:sldId id="285" r:id="rId30"/>
+    <p:sldId id="286" r:id="rId31"/>
   </p:sldIdLst>
   <p:sldSz cx="12192000" cy="6858000"/>
   <p:notesSz cx="6858000" cy="9144000"/>
@@ -5625,7 +5633,10 @@
           <a:bodyPr/>
           <a:lstStyle/>
           <a:p>
-            <a:endParaRPr lang="en-US"/>
+            <a:r>
+              <a:rPr lang="en-US" dirty="0"/>
+              <a:t>Abstract Class</a:t>
+            </a:r>
           </a:p>
         </p:txBody>
       </p:sp>
@@ -5647,10 +5658,21 @@
         </p:nvSpPr>
         <p:spPr/>
         <p:txBody>
-          <a:bodyPr/>
-          <a:lstStyle/>
-          <a:p>
-            <a:endParaRPr lang="en-US"/>
+          <a:bodyPr>
+            <a:normAutofit/>
+          </a:bodyPr>
+          <a:lstStyle/>
+          <a:p>
+            <a:r>
+              <a:rPr lang="en-US" sz="3200" dirty="0"/>
+              <a:t>A superclass that represents an abstract concept, so it should not be instantiated</a:t>
+            </a:r>
+          </a:p>
+          <a:p>
+            <a:r>
+              <a:rPr lang="en-US" sz="3200" dirty="0"/>
+              <a:t>Example: a maze program could have several different maze components – paths, walls, entrances, and exits, where they share some features such as location, way of displaying</a:t>
+            </a:r>
           </a:p>
         </p:txBody>
       </p:sp>
@@ -5705,7 +5727,10 @@
           <a:bodyPr/>
           <a:lstStyle/>
           <a:p>
-            <a:endParaRPr lang="en-US"/>
+            <a:r>
+              <a:rPr lang="en-US" dirty="0"/>
+              <a:t>Abstract Class</a:t>
+            </a:r>
           </a:p>
         </p:txBody>
       </p:sp>
@@ -5730,7 +5755,29 @@
           <a:bodyPr/>
           <a:lstStyle/>
           <a:p>
-            <a:endParaRPr lang="en-US"/>
+            <a:r>
+              <a:rPr lang="en-US" sz="3200" dirty="0"/>
+              <a:t>All components can be declared as subclasses of the abstract class </a:t>
+            </a:r>
+            <a:r>
+              <a:rPr lang="en-US" sz="3200" dirty="0" err="1"/>
+              <a:t>MazeComponent</a:t>
+            </a:r>
+            <a:endParaRPr lang="en-US" sz="3200" dirty="0"/>
+          </a:p>
+          <a:p>
+            <a:r>
+              <a:rPr lang="en-US" sz="3200" dirty="0"/>
+              <a:t>The program will create path objects, wall objects, but no instances of </a:t>
+            </a:r>
+            <a:r>
+              <a:rPr lang="en-US" sz="3200" dirty="0" err="1"/>
+              <a:t>MazeComponent</a:t>
+            </a:r>
+            <a:endParaRPr lang="en-US" sz="3200" dirty="0"/>
+          </a:p>
+          <a:p>
+            <a:endParaRPr lang="en-US" dirty="0"/>
           </a:p>
         </p:txBody>
       </p:sp>
@@ -5785,7 +5832,10 @@
           <a:bodyPr/>
           <a:lstStyle/>
           <a:p>
-            <a:endParaRPr lang="en-US"/>
+            <a:r>
+              <a:rPr lang="en-US" dirty="0"/>
+              <a:t>Abstract Method</a:t>
+            </a:r>
           </a:p>
         </p:txBody>
       </p:sp>
@@ -5807,10 +5857,27 @@
         </p:nvSpPr>
         <p:spPr/>
         <p:txBody>
-          <a:bodyPr/>
-          <a:lstStyle/>
-          <a:p>
-            <a:endParaRPr lang="en-US"/>
+          <a:bodyPr>
+            <a:normAutofit lnSpcReduction="10000"/>
+          </a:bodyPr>
+          <a:lstStyle/>
+          <a:p>
+            <a:r>
+              <a:rPr lang="en-US" dirty="0"/>
+              <a:t>An abstract class may contain abstract methods, and abstract methods only exist in an abstract class</a:t>
+            </a:r>
+          </a:p>
+          <a:p>
+            <a:r>
+              <a:rPr lang="en-US" dirty="0"/>
+              <a:t>An abstract method has no implementation code, just a header, because every subclass will need to override this method</a:t>
+            </a:r>
+          </a:p>
+          <a:p>
+            <a:r>
+              <a:rPr lang="en-US" dirty="0"/>
+              <a:t>The method that appears in the abstract class is just a placeholder for the actual overridden methods to be implemented in subclasses</a:t>
+            </a:r>
           </a:p>
         </p:txBody>
       </p:sp>
@@ -5818,6 +5885,840 @@
     <p:extLst>
       <p:ext uri="{BB962C8B-B14F-4D97-AF65-F5344CB8AC3E}">
         <p14:creationId xmlns:p14="http://schemas.microsoft.com/office/powerpoint/2010/main" val="857500806"/>
+      </p:ext>
+    </p:extLst>
+  </p:cSld>
+  <p:clrMapOvr>
+    <a:masterClrMapping/>
+  </p:clrMapOvr>
+</p:sld>
+</file>
+
+<file path=ppt/slides/slide23.xml><?xml version="1.0" encoding="utf-8"?>
+<p:sld xmlns:a="http://schemas.openxmlformats.org/drawingml/2006/main" xmlns:r="http://schemas.openxmlformats.org/officeDocument/2006/relationships" xmlns:p="http://schemas.openxmlformats.org/presentationml/2006/main">
+  <p:cSld>
+    <p:spTree>
+      <p:nvGrpSpPr>
+        <p:cNvPr id="1" name=""/>
+        <p:cNvGrpSpPr/>
+        <p:nvPr/>
+      </p:nvGrpSpPr>
+      <p:grpSpPr>
+        <a:xfrm>
+          <a:off x="0" y="0"/>
+          <a:ext cx="0" cy="0"/>
+          <a:chOff x="0" y="0"/>
+          <a:chExt cx="0" cy="0"/>
+        </a:xfrm>
+      </p:grpSpPr>
+      <p:sp>
+        <p:nvSpPr>
+          <p:cNvPr id="2" name="Title 1">
+            <a:extLst>
+              <a:ext uri="{FF2B5EF4-FFF2-40B4-BE49-F238E27FC236}">
+                <a16:creationId xmlns:a16="http://schemas.microsoft.com/office/drawing/2014/main" id="{DD724FC5-C11A-364F-BB4B-F44BA5F3BE9F}"/>
+              </a:ext>
+            </a:extLst>
+          </p:cNvPr>
+          <p:cNvSpPr>
+            <a:spLocks noGrp="1"/>
+          </p:cNvSpPr>
+          <p:nvPr>
+            <p:ph type="title"/>
+          </p:nvPr>
+        </p:nvSpPr>
+        <p:spPr/>
+        <p:txBody>
+          <a:bodyPr/>
+          <a:lstStyle/>
+          <a:p>
+            <a:r>
+              <a:rPr lang="en-US" dirty="0"/>
+              <a:t>The </a:t>
+            </a:r>
+            <a:r>
+              <a:rPr lang="en-US" b="1" dirty="0"/>
+              <a:t>abstract</a:t>
+            </a:r>
+            <a:r>
+              <a:rPr lang="en-US" dirty="0"/>
+              <a:t> keyword</a:t>
+            </a:r>
+          </a:p>
+        </p:txBody>
+      </p:sp>
+      <p:pic>
+        <p:nvPicPr>
+          <p:cNvPr id="4" name="Picture 3">
+            <a:extLst>
+              <a:ext uri="{FF2B5EF4-FFF2-40B4-BE49-F238E27FC236}">
+                <a16:creationId xmlns:a16="http://schemas.microsoft.com/office/drawing/2014/main" id="{EE5D68B0-60A6-D644-B7AB-82156DF4245D}"/>
+              </a:ext>
+            </a:extLst>
+          </p:cNvPr>
+          <p:cNvPicPr>
+            <a:picLocks noChangeAspect="1"/>
+          </p:cNvPicPr>
+          <p:nvPr/>
+        </p:nvPicPr>
+        <p:blipFill>
+          <a:blip r:embed="rId2"/>
+          <a:stretch>
+            <a:fillRect/>
+          </a:stretch>
+        </p:blipFill>
+        <p:spPr>
+          <a:xfrm>
+            <a:off x="838200" y="2103437"/>
+            <a:ext cx="9584840" cy="1325563"/>
+          </a:xfrm>
+          <a:prstGeom prst="rect">
+            <a:avLst/>
+          </a:prstGeom>
+        </p:spPr>
+      </p:pic>
+      <p:pic>
+        <p:nvPicPr>
+          <p:cNvPr id="5" name="Picture 4">
+            <a:extLst>
+              <a:ext uri="{FF2B5EF4-FFF2-40B4-BE49-F238E27FC236}">
+                <a16:creationId xmlns:a16="http://schemas.microsoft.com/office/drawing/2014/main" id="{10C0E63A-FAA4-8F4F-9D48-CD59C2584799}"/>
+              </a:ext>
+            </a:extLst>
+          </p:cNvPr>
+          <p:cNvPicPr>
+            <a:picLocks noChangeAspect="1"/>
+          </p:cNvPicPr>
+          <p:nvPr/>
+        </p:nvPicPr>
+        <p:blipFill>
+          <a:blip r:embed="rId3"/>
+          <a:stretch>
+            <a:fillRect/>
+          </a:stretch>
+        </p:blipFill>
+        <p:spPr>
+          <a:xfrm>
+            <a:off x="561778" y="4114799"/>
+            <a:ext cx="11068443" cy="1325562"/>
+          </a:xfrm>
+          <a:prstGeom prst="rect">
+            <a:avLst/>
+          </a:prstGeom>
+        </p:spPr>
+      </p:pic>
+    </p:spTree>
+    <p:extLst>
+      <p:ext uri="{BB962C8B-B14F-4D97-AF65-F5344CB8AC3E}">
+        <p14:creationId xmlns:p14="http://schemas.microsoft.com/office/powerpoint/2010/main" val="4166507840"/>
+      </p:ext>
+    </p:extLst>
+  </p:cSld>
+  <p:clrMapOvr>
+    <a:masterClrMapping/>
+  </p:clrMapOvr>
+</p:sld>
+</file>
+
+<file path=ppt/slides/slide24.xml><?xml version="1.0" encoding="utf-8"?>
+<p:sld xmlns:a="http://schemas.openxmlformats.org/drawingml/2006/main" xmlns:r="http://schemas.openxmlformats.org/officeDocument/2006/relationships" xmlns:p="http://schemas.openxmlformats.org/presentationml/2006/main">
+  <p:cSld>
+    <p:spTree>
+      <p:nvGrpSpPr>
+        <p:cNvPr id="1" name=""/>
+        <p:cNvGrpSpPr/>
+        <p:nvPr/>
+      </p:nvGrpSpPr>
+      <p:grpSpPr>
+        <a:xfrm>
+          <a:off x="0" y="0"/>
+          <a:ext cx="0" cy="0"/>
+          <a:chOff x="0" y="0"/>
+          <a:chExt cx="0" cy="0"/>
+        </a:xfrm>
+      </p:grpSpPr>
+      <p:sp>
+        <p:nvSpPr>
+          <p:cNvPr id="2" name="Title 1">
+            <a:extLst>
+              <a:ext uri="{FF2B5EF4-FFF2-40B4-BE49-F238E27FC236}">
+                <a16:creationId xmlns:a16="http://schemas.microsoft.com/office/drawing/2014/main" id="{22D2909C-2B14-4E47-9AD4-39FE064B1AF4}"/>
+              </a:ext>
+            </a:extLst>
+          </p:cNvPr>
+          <p:cNvSpPr>
+            <a:spLocks noGrp="1"/>
+          </p:cNvSpPr>
+          <p:nvPr>
+            <p:ph type="title"/>
+          </p:nvPr>
+        </p:nvSpPr>
+        <p:spPr/>
+        <p:txBody>
+          <a:bodyPr/>
+          <a:lstStyle/>
+          <a:p>
+            <a:r>
+              <a:rPr lang="en-US" dirty="0"/>
+              <a:t>The </a:t>
+            </a:r>
+            <a:r>
+              <a:rPr lang="en-US" b="1" dirty="0"/>
+              <a:t>abstract</a:t>
+            </a:r>
+            <a:r>
+              <a:rPr lang="en-US" dirty="0"/>
+              <a:t> keyword</a:t>
+            </a:r>
+          </a:p>
+        </p:txBody>
+      </p:sp>
+      <p:sp>
+        <p:nvSpPr>
+          <p:cNvPr id="3" name="Content Placeholder 2">
+            <a:extLst>
+              <a:ext uri="{FF2B5EF4-FFF2-40B4-BE49-F238E27FC236}">
+                <a16:creationId xmlns:a16="http://schemas.microsoft.com/office/drawing/2014/main" id="{0BF19854-EBAE-FE45-B792-E6BB722CF366}"/>
+              </a:ext>
+            </a:extLst>
+          </p:cNvPr>
+          <p:cNvSpPr>
+            <a:spLocks noGrp="1"/>
+          </p:cNvSpPr>
+          <p:nvPr>
+            <p:ph idx="1"/>
+          </p:nvPr>
+        </p:nvSpPr>
+        <p:spPr/>
+        <p:txBody>
+          <a:bodyPr/>
+          <a:lstStyle/>
+          <a:p>
+            <a:r>
+              <a:rPr lang="en-US" dirty="0"/>
+              <a:t>If a subclass of an abstract class does not provide implementation code for all the abstract methods of its superclass, then the subclass also becomes an abstract class and must be declared to avoid a compile-time error</a:t>
+            </a:r>
+          </a:p>
+        </p:txBody>
+      </p:sp>
+      <p:pic>
+        <p:nvPicPr>
+          <p:cNvPr id="4" name="Picture 3">
+            <a:extLst>
+              <a:ext uri="{FF2B5EF4-FFF2-40B4-BE49-F238E27FC236}">
+                <a16:creationId xmlns:a16="http://schemas.microsoft.com/office/drawing/2014/main" id="{6F4E1CB7-A107-E044-BED9-999190A10273}"/>
+              </a:ext>
+            </a:extLst>
+          </p:cNvPr>
+          <p:cNvPicPr>
+            <a:picLocks noChangeAspect="1"/>
+          </p:cNvPicPr>
+          <p:nvPr/>
+        </p:nvPicPr>
+        <p:blipFill>
+          <a:blip r:embed="rId2"/>
+          <a:stretch>
+            <a:fillRect/>
+          </a:stretch>
+        </p:blipFill>
+        <p:spPr>
+          <a:xfrm>
+            <a:off x="1079500" y="4622801"/>
+            <a:ext cx="10274300" cy="931608"/>
+          </a:xfrm>
+          <a:prstGeom prst="rect">
+            <a:avLst/>
+          </a:prstGeom>
+        </p:spPr>
+      </p:pic>
+    </p:spTree>
+    <p:extLst>
+      <p:ext uri="{BB962C8B-B14F-4D97-AF65-F5344CB8AC3E}">
+        <p14:creationId xmlns:p14="http://schemas.microsoft.com/office/powerpoint/2010/main" val="2770436061"/>
+      </p:ext>
+    </p:extLst>
+  </p:cSld>
+  <p:clrMapOvr>
+    <a:masterClrMapping/>
+  </p:clrMapOvr>
+</p:sld>
+</file>
+
+<file path=ppt/slides/slide25.xml><?xml version="1.0" encoding="utf-8"?>
+<p:sld xmlns:a="http://schemas.openxmlformats.org/drawingml/2006/main" xmlns:r="http://schemas.openxmlformats.org/officeDocument/2006/relationships" xmlns:p="http://schemas.openxmlformats.org/presentationml/2006/main">
+  <p:cSld>
+    <p:spTree>
+      <p:nvGrpSpPr>
+        <p:cNvPr id="1" name=""/>
+        <p:cNvGrpSpPr/>
+        <p:nvPr/>
+      </p:nvGrpSpPr>
+      <p:grpSpPr>
+        <a:xfrm>
+          <a:off x="0" y="0"/>
+          <a:ext cx="0" cy="0"/>
+          <a:chOff x="0" y="0"/>
+          <a:chExt cx="0" cy="0"/>
+        </a:xfrm>
+      </p:grpSpPr>
+      <p:sp>
+        <p:nvSpPr>
+          <p:cNvPr id="2" name="Title 1">
+            <a:extLst>
+              <a:ext uri="{FF2B5EF4-FFF2-40B4-BE49-F238E27FC236}">
+                <a16:creationId xmlns:a16="http://schemas.microsoft.com/office/drawing/2014/main" id="{4E2E6C33-B683-6F4F-A284-0521DCEC7406}"/>
+              </a:ext>
+            </a:extLst>
+          </p:cNvPr>
+          <p:cNvSpPr>
+            <a:spLocks noGrp="1"/>
+          </p:cNvSpPr>
+          <p:nvPr>
+            <p:ph type="title"/>
+          </p:nvPr>
+        </p:nvSpPr>
+        <p:spPr/>
+        <p:txBody>
+          <a:bodyPr/>
+          <a:lstStyle/>
+          <a:p>
+            <a:r>
+              <a:rPr lang="en-US" dirty="0"/>
+              <a:t>Note</a:t>
+            </a:r>
+          </a:p>
+        </p:txBody>
+      </p:sp>
+      <p:sp>
+        <p:nvSpPr>
+          <p:cNvPr id="3" name="Content Placeholder 2">
+            <a:extLst>
+              <a:ext uri="{FF2B5EF4-FFF2-40B4-BE49-F238E27FC236}">
+                <a16:creationId xmlns:a16="http://schemas.microsoft.com/office/drawing/2014/main" id="{CB165B5C-2557-C849-A762-C860B804F787}"/>
+              </a:ext>
+            </a:extLst>
+          </p:cNvPr>
+          <p:cNvSpPr>
+            <a:spLocks noGrp="1"/>
+          </p:cNvSpPr>
+          <p:nvPr>
+            <p:ph idx="1"/>
+          </p:nvPr>
+        </p:nvSpPr>
+        <p:spPr/>
+        <p:txBody>
+          <a:bodyPr/>
+          <a:lstStyle/>
+          <a:p>
+            <a:r>
+              <a:rPr lang="en-US" dirty="0"/>
+              <a:t>It is meaningless to define </a:t>
+            </a:r>
+            <a:r>
+              <a:rPr lang="en-US" b="1" dirty="0"/>
+              <a:t>perimeter</a:t>
+            </a:r>
+            <a:r>
+              <a:rPr lang="en-US" dirty="0"/>
+              <a:t> and </a:t>
+            </a:r>
+            <a:r>
+              <a:rPr lang="en-US" b="1" dirty="0"/>
+              <a:t>area </a:t>
+            </a:r>
+            <a:r>
+              <a:rPr lang="en-US" dirty="0"/>
+              <a:t>methods for Shape, so they are declared as abstract methods</a:t>
+            </a:r>
+          </a:p>
+          <a:p>
+            <a:r>
+              <a:rPr lang="en-US" dirty="0"/>
+              <a:t>An abstract class can have both instance variables and concrete (nonabstract) methods</a:t>
+            </a:r>
+          </a:p>
+          <a:p>
+            <a:r>
+              <a:rPr lang="en-US" dirty="0"/>
+              <a:t>Abstract methods must be declared with the keyword </a:t>
+            </a:r>
+            <a:r>
+              <a:rPr lang="en-US" b="1" dirty="0"/>
+              <a:t>abstract</a:t>
+            </a:r>
+            <a:r>
+              <a:rPr lang="en-US" dirty="0"/>
+              <a:t>, with no method body, and the header is terminated with a semicolon</a:t>
+            </a:r>
+            <a:endParaRPr lang="en-US" b="1" dirty="0"/>
+          </a:p>
+        </p:txBody>
+      </p:sp>
+    </p:spTree>
+    <p:extLst>
+      <p:ext uri="{BB962C8B-B14F-4D97-AF65-F5344CB8AC3E}">
+        <p14:creationId xmlns:p14="http://schemas.microsoft.com/office/powerpoint/2010/main" val="335493906"/>
+      </p:ext>
+    </p:extLst>
+  </p:cSld>
+  <p:clrMapOvr>
+    <a:masterClrMapping/>
+  </p:clrMapOvr>
+</p:sld>
+</file>
+
+<file path=ppt/slides/slide26.xml><?xml version="1.0" encoding="utf-8"?>
+<p:sld xmlns:a="http://schemas.openxmlformats.org/drawingml/2006/main" xmlns:r="http://schemas.openxmlformats.org/officeDocument/2006/relationships" xmlns:p="http://schemas.openxmlformats.org/presentationml/2006/main">
+  <p:cSld>
+    <p:spTree>
+      <p:nvGrpSpPr>
+        <p:cNvPr id="1" name=""/>
+        <p:cNvGrpSpPr/>
+        <p:nvPr/>
+      </p:nvGrpSpPr>
+      <p:grpSpPr>
+        <a:xfrm>
+          <a:off x="0" y="0"/>
+          <a:ext cx="0" cy="0"/>
+          <a:chOff x="0" y="0"/>
+          <a:chExt cx="0" cy="0"/>
+        </a:xfrm>
+      </p:grpSpPr>
+      <p:sp>
+        <p:nvSpPr>
+          <p:cNvPr id="2" name="Title 1">
+            <a:extLst>
+              <a:ext uri="{FF2B5EF4-FFF2-40B4-BE49-F238E27FC236}">
+                <a16:creationId xmlns:a16="http://schemas.microsoft.com/office/drawing/2014/main" id="{41DA4C4A-6BC4-DD4F-BF41-BA6534B42A72}"/>
+              </a:ext>
+            </a:extLst>
+          </p:cNvPr>
+          <p:cNvSpPr>
+            <a:spLocks noGrp="1"/>
+          </p:cNvSpPr>
+          <p:nvPr>
+            <p:ph type="title"/>
+          </p:nvPr>
+        </p:nvSpPr>
+        <p:spPr/>
+        <p:txBody>
+          <a:bodyPr/>
+          <a:lstStyle/>
+          <a:p>
+            <a:r>
+              <a:rPr lang="en-US" dirty="0"/>
+              <a:t>Note</a:t>
+            </a:r>
+          </a:p>
+        </p:txBody>
+      </p:sp>
+      <p:sp>
+        <p:nvSpPr>
+          <p:cNvPr id="3" name="Content Placeholder 2">
+            <a:extLst>
+              <a:ext uri="{FF2B5EF4-FFF2-40B4-BE49-F238E27FC236}">
+                <a16:creationId xmlns:a16="http://schemas.microsoft.com/office/drawing/2014/main" id="{569F3F86-D6FF-174E-AEB6-A81237213E65}"/>
+              </a:ext>
+            </a:extLst>
+          </p:cNvPr>
+          <p:cNvSpPr>
+            <a:spLocks noGrp="1"/>
+          </p:cNvSpPr>
+          <p:nvPr>
+            <p:ph idx="1"/>
+          </p:nvPr>
+        </p:nvSpPr>
+        <p:spPr/>
+        <p:txBody>
+          <a:bodyPr/>
+          <a:lstStyle/>
+          <a:p>
+            <a:r>
+              <a:rPr lang="en-US" dirty="0"/>
+              <a:t>A concrete subclass of an abstract superclass must provide implementation code for all abstract methods of the superclass</a:t>
+            </a:r>
+          </a:p>
+          <a:p>
+            <a:r>
+              <a:rPr lang="en-US" dirty="0"/>
+              <a:t>An abstract class can have no abstract methods</a:t>
+            </a:r>
+          </a:p>
+          <a:p>
+            <a:r>
+              <a:rPr lang="en-US" dirty="0"/>
+              <a:t>An abstract class may or may not have constructors</a:t>
+            </a:r>
+          </a:p>
+        </p:txBody>
+      </p:sp>
+    </p:spTree>
+    <p:extLst>
+      <p:ext uri="{BB962C8B-B14F-4D97-AF65-F5344CB8AC3E}">
+        <p14:creationId xmlns:p14="http://schemas.microsoft.com/office/powerpoint/2010/main" val="707674469"/>
+      </p:ext>
+    </p:extLst>
+  </p:cSld>
+  <p:clrMapOvr>
+    <a:masterClrMapping/>
+  </p:clrMapOvr>
+</p:sld>
+</file>
+
+<file path=ppt/slides/slide27.xml><?xml version="1.0" encoding="utf-8"?>
+<p:sld xmlns:a="http://schemas.openxmlformats.org/drawingml/2006/main" xmlns:r="http://schemas.openxmlformats.org/officeDocument/2006/relationships" xmlns:p="http://schemas.openxmlformats.org/presentationml/2006/main">
+  <p:cSld>
+    <p:spTree>
+      <p:nvGrpSpPr>
+        <p:cNvPr id="1" name=""/>
+        <p:cNvGrpSpPr/>
+        <p:nvPr/>
+      </p:nvGrpSpPr>
+      <p:grpSpPr>
+        <a:xfrm>
+          <a:off x="0" y="0"/>
+          <a:ext cx="0" cy="0"/>
+          <a:chOff x="0" y="0"/>
+          <a:chExt cx="0" cy="0"/>
+        </a:xfrm>
+      </p:grpSpPr>
+      <p:sp>
+        <p:nvSpPr>
+          <p:cNvPr id="2" name="Title 1">
+            <a:extLst>
+              <a:ext uri="{FF2B5EF4-FFF2-40B4-BE49-F238E27FC236}">
+                <a16:creationId xmlns:a16="http://schemas.microsoft.com/office/drawing/2014/main" id="{9F93F7C4-C39C-F047-824A-844F23359FDF}"/>
+              </a:ext>
+            </a:extLst>
+          </p:cNvPr>
+          <p:cNvSpPr>
+            <a:spLocks noGrp="1"/>
+          </p:cNvSpPr>
+          <p:nvPr>
+            <p:ph type="title"/>
+          </p:nvPr>
+        </p:nvSpPr>
+        <p:spPr/>
+        <p:txBody>
+          <a:bodyPr/>
+          <a:lstStyle/>
+          <a:p>
+            <a:r>
+              <a:rPr lang="en-US" dirty="0"/>
+              <a:t>Note</a:t>
+            </a:r>
+          </a:p>
+        </p:txBody>
+      </p:sp>
+      <p:sp>
+        <p:nvSpPr>
+          <p:cNvPr id="3" name="Content Placeholder 2">
+            <a:extLst>
+              <a:ext uri="{FF2B5EF4-FFF2-40B4-BE49-F238E27FC236}">
+                <a16:creationId xmlns:a16="http://schemas.microsoft.com/office/drawing/2014/main" id="{639D4F76-355F-7845-8E43-7FAE0AD28520}"/>
+              </a:ext>
+            </a:extLst>
+          </p:cNvPr>
+          <p:cNvSpPr>
+            <a:spLocks noGrp="1"/>
+          </p:cNvSpPr>
+          <p:nvPr>
+            <p:ph idx="1"/>
+          </p:nvPr>
+        </p:nvSpPr>
+        <p:spPr/>
+        <p:txBody>
+          <a:bodyPr>
+            <a:normAutofit lnSpcReduction="10000"/>
+          </a:bodyPr>
+          <a:lstStyle/>
+          <a:p>
+            <a:r>
+              <a:rPr lang="en-US" dirty="0"/>
+              <a:t>No instances can be created for an abstract class</a:t>
+            </a:r>
+          </a:p>
+          <a:p>
+            <a:endParaRPr lang="en-US" dirty="0"/>
+          </a:p>
+          <a:p>
+            <a:endParaRPr lang="en-US" dirty="0"/>
+          </a:p>
+          <a:p>
+            <a:endParaRPr lang="en-US" dirty="0"/>
+          </a:p>
+          <a:p>
+            <a:endParaRPr lang="en-US" dirty="0"/>
+          </a:p>
+          <a:p>
+            <a:r>
+              <a:rPr lang="en-US" dirty="0"/>
+              <a:t>Polymorphism works with abstract classes as it does with concrete classes</a:t>
+            </a:r>
+          </a:p>
+          <a:p>
+            <a:endParaRPr lang="en-US" dirty="0"/>
+          </a:p>
+        </p:txBody>
+      </p:sp>
+      <p:pic>
+        <p:nvPicPr>
+          <p:cNvPr id="4" name="Picture 3">
+            <a:extLst>
+              <a:ext uri="{FF2B5EF4-FFF2-40B4-BE49-F238E27FC236}">
+                <a16:creationId xmlns:a16="http://schemas.microsoft.com/office/drawing/2014/main" id="{31A8D031-D6D0-594A-9167-B4820E1DD847}"/>
+              </a:ext>
+            </a:extLst>
+          </p:cNvPr>
+          <p:cNvPicPr>
+            <a:picLocks noChangeAspect="1"/>
+          </p:cNvPicPr>
+          <p:nvPr/>
+        </p:nvPicPr>
+        <p:blipFill>
+          <a:blip r:embed="rId2"/>
+          <a:stretch>
+            <a:fillRect/>
+          </a:stretch>
+        </p:blipFill>
+        <p:spPr>
+          <a:xfrm>
+            <a:off x="599882" y="3009900"/>
+            <a:ext cx="10992235" cy="1587500"/>
+          </a:xfrm>
+          <a:prstGeom prst="rect">
+            <a:avLst/>
+          </a:prstGeom>
+        </p:spPr>
+      </p:pic>
+    </p:spTree>
+    <p:extLst>
+      <p:ext uri="{BB962C8B-B14F-4D97-AF65-F5344CB8AC3E}">
+        <p14:creationId xmlns:p14="http://schemas.microsoft.com/office/powerpoint/2010/main" val="1502334494"/>
+      </p:ext>
+    </p:extLst>
+  </p:cSld>
+  <p:clrMapOvr>
+    <a:masterClrMapping/>
+  </p:clrMapOvr>
+</p:sld>
+</file>
+
+<file path=ppt/slides/slide28.xml><?xml version="1.0" encoding="utf-8"?>
+<p:sld xmlns:a="http://schemas.openxmlformats.org/drawingml/2006/main" xmlns:r="http://schemas.openxmlformats.org/officeDocument/2006/relationships" xmlns:p="http://schemas.openxmlformats.org/presentationml/2006/main">
+  <p:cSld>
+    <p:spTree>
+      <p:nvGrpSpPr>
+        <p:cNvPr id="1" name=""/>
+        <p:cNvGrpSpPr/>
+        <p:nvPr/>
+      </p:nvGrpSpPr>
+      <p:grpSpPr>
+        <a:xfrm>
+          <a:off x="0" y="0"/>
+          <a:ext cx="0" cy="0"/>
+          <a:chOff x="0" y="0"/>
+          <a:chExt cx="0" cy="0"/>
+        </a:xfrm>
+      </p:grpSpPr>
+      <p:sp>
+        <p:nvSpPr>
+          <p:cNvPr id="2" name="Title 1">
+            <a:extLst>
+              <a:ext uri="{FF2B5EF4-FFF2-40B4-BE49-F238E27FC236}">
+                <a16:creationId xmlns:a16="http://schemas.microsoft.com/office/drawing/2014/main" id="{64319543-ED59-3744-98B2-54786E32A24A}"/>
+              </a:ext>
+            </a:extLst>
+          </p:cNvPr>
+          <p:cNvSpPr>
+            <a:spLocks noGrp="1"/>
+          </p:cNvSpPr>
+          <p:nvPr>
+            <p:ph type="title"/>
+          </p:nvPr>
+        </p:nvSpPr>
+        <p:spPr/>
+        <p:txBody>
+          <a:bodyPr/>
+          <a:lstStyle/>
+          <a:p>
+            <a:r>
+              <a:rPr lang="en-US" dirty="0"/>
+              <a:t>Interface</a:t>
+            </a:r>
+          </a:p>
+        </p:txBody>
+      </p:sp>
+      <p:sp>
+        <p:nvSpPr>
+          <p:cNvPr id="3" name="Content Placeholder 2">
+            <a:extLst>
+              <a:ext uri="{FF2B5EF4-FFF2-40B4-BE49-F238E27FC236}">
+                <a16:creationId xmlns:a16="http://schemas.microsoft.com/office/drawing/2014/main" id="{9A39A4EF-DBAB-3841-891C-E880A8FE8E6A}"/>
+              </a:ext>
+            </a:extLst>
+          </p:cNvPr>
+          <p:cNvSpPr>
+            <a:spLocks noGrp="1"/>
+          </p:cNvSpPr>
+          <p:nvPr>
+            <p:ph idx="1"/>
+          </p:nvPr>
+        </p:nvSpPr>
+        <p:spPr/>
+        <p:txBody>
+          <a:bodyPr>
+            <a:normAutofit lnSpcReduction="10000"/>
+          </a:bodyPr>
+          <a:lstStyle/>
+          <a:p>
+            <a:r>
+              <a:rPr lang="en-US" dirty="0"/>
+              <a:t>A collection of related methods, either abstract(headers only), or default (implementation provided in the interface)</a:t>
+            </a:r>
+          </a:p>
+          <a:p>
+            <a:r>
+              <a:rPr lang="en-US" dirty="0"/>
+              <a:t>Classes that implement a given interface may represent objects that are vastly different</a:t>
+            </a:r>
+          </a:p>
+          <a:p>
+            <a:r>
+              <a:rPr lang="en-US" dirty="0"/>
+              <a:t>Example: an interface called </a:t>
+            </a:r>
+            <a:r>
+              <a:rPr lang="en-US" dirty="0" err="1"/>
+              <a:t>FlyingObject</a:t>
+            </a:r>
+            <a:r>
+              <a:rPr lang="en-US" dirty="0"/>
+              <a:t> may have methods </a:t>
+            </a:r>
+            <a:r>
+              <a:rPr lang="en-US" b="1" dirty="0"/>
+              <a:t>fly</a:t>
+            </a:r>
+            <a:r>
+              <a:rPr lang="en-US" dirty="0"/>
+              <a:t> and </a:t>
+            </a:r>
+            <a:r>
+              <a:rPr lang="en-US" b="1" dirty="0" err="1"/>
+              <a:t>isFlying</a:t>
+            </a:r>
+            <a:r>
+              <a:rPr lang="en-US" dirty="0"/>
+              <a:t>, where some classes that implement </a:t>
+            </a:r>
+            <a:r>
+              <a:rPr lang="en-US" dirty="0" err="1"/>
+              <a:t>FlyingObject</a:t>
+            </a:r>
+            <a:r>
+              <a:rPr lang="en-US" dirty="0"/>
+              <a:t> could be Bird, Airplane, Missile, Witch</a:t>
+            </a:r>
+          </a:p>
+        </p:txBody>
+      </p:sp>
+    </p:spTree>
+    <p:extLst>
+      <p:ext uri="{BB962C8B-B14F-4D97-AF65-F5344CB8AC3E}">
+        <p14:creationId xmlns:p14="http://schemas.microsoft.com/office/powerpoint/2010/main" val="3055309990"/>
+      </p:ext>
+    </p:extLst>
+  </p:cSld>
+  <p:clrMapOvr>
+    <a:masterClrMapping/>
+  </p:clrMapOvr>
+</p:sld>
+</file>
+
+<file path=ppt/slides/slide29.xml><?xml version="1.0" encoding="utf-8"?>
+<p:sld xmlns:a="http://schemas.openxmlformats.org/drawingml/2006/main" xmlns:r="http://schemas.openxmlformats.org/officeDocument/2006/relationships" xmlns:p="http://schemas.openxmlformats.org/presentationml/2006/main">
+  <p:cSld>
+    <p:spTree>
+      <p:nvGrpSpPr>
+        <p:cNvPr id="1" name=""/>
+        <p:cNvGrpSpPr/>
+        <p:nvPr/>
+      </p:nvGrpSpPr>
+      <p:grpSpPr>
+        <a:xfrm>
+          <a:off x="0" y="0"/>
+          <a:ext cx="0" cy="0"/>
+          <a:chOff x="0" y="0"/>
+          <a:chExt cx="0" cy="0"/>
+        </a:xfrm>
+      </p:grpSpPr>
+      <p:sp>
+        <p:nvSpPr>
+          <p:cNvPr id="2" name="Title 1">
+            <a:extLst>
+              <a:ext uri="{FF2B5EF4-FFF2-40B4-BE49-F238E27FC236}">
+                <a16:creationId xmlns:a16="http://schemas.microsoft.com/office/drawing/2014/main" id="{8439E44D-C43F-C24A-A811-09751D16D149}"/>
+              </a:ext>
+            </a:extLst>
+          </p:cNvPr>
+          <p:cNvSpPr>
+            <a:spLocks noGrp="1"/>
+          </p:cNvSpPr>
+          <p:nvPr>
+            <p:ph type="title"/>
+          </p:nvPr>
+        </p:nvSpPr>
+        <p:spPr/>
+        <p:txBody>
+          <a:bodyPr/>
+          <a:lstStyle/>
+          <a:p>
+            <a:r>
+              <a:rPr lang="en-US" dirty="0"/>
+              <a:t>Interface </a:t>
+            </a:r>
+          </a:p>
+        </p:txBody>
+      </p:sp>
+      <p:sp>
+        <p:nvSpPr>
+          <p:cNvPr id="3" name="Content Placeholder 2">
+            <a:extLst>
+              <a:ext uri="{FF2B5EF4-FFF2-40B4-BE49-F238E27FC236}">
+                <a16:creationId xmlns:a16="http://schemas.microsoft.com/office/drawing/2014/main" id="{CEFBAAB8-75CF-DA44-9794-D51674215B75}"/>
+              </a:ext>
+            </a:extLst>
+          </p:cNvPr>
+          <p:cNvSpPr>
+            <a:spLocks noGrp="1"/>
+          </p:cNvSpPr>
+          <p:nvPr>
+            <p:ph idx="1"/>
+          </p:nvPr>
+        </p:nvSpPr>
+        <p:spPr/>
+        <p:txBody>
+          <a:bodyPr/>
+          <a:lstStyle/>
+          <a:p>
+            <a:r>
+              <a:rPr lang="en-US" dirty="0"/>
+              <a:t>A class that implements an interface can define any number of methods</a:t>
+            </a:r>
+          </a:p>
+          <a:p>
+            <a:r>
+              <a:rPr lang="en-US" dirty="0"/>
+              <a:t>If the class fails to implement any of the methods, the class must be declared as abstract</a:t>
+            </a:r>
+          </a:p>
+        </p:txBody>
+      </p:sp>
+    </p:spTree>
+    <p:extLst>
+      <p:ext uri="{BB962C8B-B14F-4D97-AF65-F5344CB8AC3E}">
+        <p14:creationId xmlns:p14="http://schemas.microsoft.com/office/powerpoint/2010/main" val="1097780225"/>
       </p:ext>
     </p:extLst>
   </p:cSld>
@@ -5984,6 +6885,165 @@
     <p:extLst>
       <p:ext uri="{BB962C8B-B14F-4D97-AF65-F5344CB8AC3E}">
         <p14:creationId xmlns:p14="http://schemas.microsoft.com/office/powerpoint/2010/main" val="316046784"/>
+      </p:ext>
+    </p:extLst>
+  </p:cSld>
+  <p:clrMapOvr>
+    <a:masterClrMapping/>
+  </p:clrMapOvr>
+</p:sld>
+</file>
+
+<file path=ppt/slides/slide30.xml><?xml version="1.0" encoding="utf-8"?>
+<p:sld xmlns:a="http://schemas.openxmlformats.org/drawingml/2006/main" xmlns:r="http://schemas.openxmlformats.org/officeDocument/2006/relationships" xmlns:p="http://schemas.openxmlformats.org/presentationml/2006/main">
+  <p:cSld>
+    <p:spTree>
+      <p:nvGrpSpPr>
+        <p:cNvPr id="1" name=""/>
+        <p:cNvGrpSpPr/>
+        <p:nvPr/>
+      </p:nvGrpSpPr>
+      <p:grpSpPr>
+        <a:xfrm>
+          <a:off x="0" y="0"/>
+          <a:ext cx="0" cy="0"/>
+          <a:chOff x="0" y="0"/>
+          <a:chExt cx="0" cy="0"/>
+        </a:xfrm>
+      </p:grpSpPr>
+      <p:sp>
+        <p:nvSpPr>
+          <p:cNvPr id="2" name="Title 1">
+            <a:extLst>
+              <a:ext uri="{FF2B5EF4-FFF2-40B4-BE49-F238E27FC236}">
+                <a16:creationId xmlns:a16="http://schemas.microsoft.com/office/drawing/2014/main" id="{64346CED-B270-4C4E-ACBE-389A106E1843}"/>
+              </a:ext>
+            </a:extLst>
+          </p:cNvPr>
+          <p:cNvSpPr>
+            <a:spLocks noGrp="1"/>
+          </p:cNvSpPr>
+          <p:nvPr>
+            <p:ph type="title"/>
+          </p:nvPr>
+        </p:nvSpPr>
+        <p:spPr/>
+        <p:txBody>
+          <a:bodyPr/>
+          <a:lstStyle/>
+          <a:p>
+            <a:r>
+              <a:rPr lang="en-US" dirty="0"/>
+              <a:t>Defining an Interface</a:t>
+            </a:r>
+          </a:p>
+        </p:txBody>
+      </p:sp>
+      <p:sp>
+        <p:nvSpPr>
+          <p:cNvPr id="3" name="Content Placeholder 2">
+            <a:extLst>
+              <a:ext uri="{FF2B5EF4-FFF2-40B4-BE49-F238E27FC236}">
+                <a16:creationId xmlns:a16="http://schemas.microsoft.com/office/drawing/2014/main" id="{B2CA0E71-5E5F-C64F-96DD-1C21FD50BB98}"/>
+              </a:ext>
+            </a:extLst>
+          </p:cNvPr>
+          <p:cNvSpPr>
+            <a:spLocks noGrp="1"/>
+          </p:cNvSpPr>
+          <p:nvPr>
+            <p:ph idx="1"/>
+          </p:nvPr>
+        </p:nvSpPr>
+        <p:spPr>
+          <a:xfrm>
+            <a:off x="838200" y="2178657"/>
+            <a:ext cx="10515600" cy="767743"/>
+          </a:xfrm>
+        </p:spPr>
+        <p:txBody>
+          <a:bodyPr/>
+          <a:lstStyle/>
+          <a:p>
+            <a:r>
+              <a:rPr lang="en-US" dirty="0"/>
+              <a:t>Declared with the </a:t>
+            </a:r>
+            <a:r>
+              <a:rPr lang="en-US" b="1" dirty="0"/>
+              <a:t>interface</a:t>
+            </a:r>
+            <a:r>
+              <a:rPr lang="en-US" dirty="0"/>
+              <a:t> keyword</a:t>
+            </a:r>
+          </a:p>
+        </p:txBody>
+      </p:sp>
+      <p:pic>
+        <p:nvPicPr>
+          <p:cNvPr id="4" name="Picture 3">
+            <a:extLst>
+              <a:ext uri="{FF2B5EF4-FFF2-40B4-BE49-F238E27FC236}">
+                <a16:creationId xmlns:a16="http://schemas.microsoft.com/office/drawing/2014/main" id="{F82C2A67-2CE9-0E4F-A541-5D8E554B5B28}"/>
+              </a:ext>
+            </a:extLst>
+          </p:cNvPr>
+          <p:cNvPicPr>
+            <a:picLocks noChangeAspect="1"/>
+          </p:cNvPicPr>
+          <p:nvPr/>
+        </p:nvPicPr>
+        <p:blipFill>
+          <a:blip r:embed="rId2"/>
+          <a:stretch>
+            <a:fillRect/>
+          </a:stretch>
+        </p:blipFill>
+        <p:spPr>
+          <a:xfrm>
+            <a:off x="1123950" y="2787649"/>
+            <a:ext cx="9239250" cy="1932017"/>
+          </a:xfrm>
+          <a:prstGeom prst="rect">
+            <a:avLst/>
+          </a:prstGeom>
+        </p:spPr>
+      </p:pic>
+      <p:pic>
+        <p:nvPicPr>
+          <p:cNvPr id="5" name="Picture 4">
+            <a:extLst>
+              <a:ext uri="{FF2B5EF4-FFF2-40B4-BE49-F238E27FC236}">
+                <a16:creationId xmlns:a16="http://schemas.microsoft.com/office/drawing/2014/main" id="{A8DB24C1-1B2A-6A4C-8EBA-D1BF191B7F6E}"/>
+              </a:ext>
+            </a:extLst>
+          </p:cNvPr>
+          <p:cNvPicPr>
+            <a:picLocks noChangeAspect="1"/>
+          </p:cNvPicPr>
+          <p:nvPr/>
+        </p:nvPicPr>
+        <p:blipFill>
+          <a:blip r:embed="rId3"/>
+          <a:stretch>
+            <a:fillRect/>
+          </a:stretch>
+        </p:blipFill>
+        <p:spPr>
+          <a:xfrm>
+            <a:off x="838200" y="4890967"/>
+            <a:ext cx="8274050" cy="1285996"/>
+          </a:xfrm>
+          <a:prstGeom prst="rect">
+            <a:avLst/>
+          </a:prstGeom>
+        </p:spPr>
+      </p:pic>
+    </p:spTree>
+    <p:extLst>
+      <p:ext uri="{BB962C8B-B14F-4D97-AF65-F5344CB8AC3E}">
+        <p14:creationId xmlns:p14="http://schemas.microsoft.com/office/powerpoint/2010/main" val="1505339457"/>
       </p:ext>
     </p:extLst>
   </p:cSld>
